--- a/UE1-SmartPatate.pptx
+++ b/UE1-SmartPatate.pptx
@@ -575,7 +575,7 @@
   <p:cSld>
     <p:spTree>
       <p:nvGrpSpPr>
-        <p:cNvPr id="132" name="Shape 132"/>
+        <p:cNvPr id="133" name="Shape 133"/>
         <p:cNvGrpSpPr/>
         <p:nvPr/>
       </p:nvGrpSpPr>
@@ -589,7 +589,7 @@
       </p:grpSpPr>
       <p:sp>
         <p:nvSpPr>
-          <p:cNvPr id="133" name="Shape 133"/>
+          <p:cNvPr id="134" name="Shape 134"/>
           <p:cNvSpPr/>
           <p:nvPr>
             <p:ph idx="2" type="sldImg"/>
@@ -623,7 +623,7 @@
       </p:sp>
       <p:sp>
         <p:nvSpPr>
-          <p:cNvPr id="134" name="Shape 134"/>
+          <p:cNvPr id="135" name="Shape 135"/>
           <p:cNvSpPr txBox="1"/>
           <p:nvPr>
             <p:ph idx="1" type="body"/>
@@ -670,7 +670,7 @@
   <p:cSld>
     <p:spTree>
       <p:nvGrpSpPr>
-        <p:cNvPr id="142" name="Shape 142"/>
+        <p:cNvPr id="143" name="Shape 143"/>
         <p:cNvGrpSpPr/>
         <p:nvPr/>
       </p:nvGrpSpPr>
@@ -684,7 +684,7 @@
       </p:grpSpPr>
       <p:sp>
         <p:nvSpPr>
-          <p:cNvPr id="143" name="Shape 143"/>
+          <p:cNvPr id="144" name="Shape 144"/>
           <p:cNvSpPr/>
           <p:nvPr>
             <p:ph idx="2" type="sldImg"/>
@@ -718,7 +718,7 @@
       </p:sp>
       <p:sp>
         <p:nvSpPr>
-          <p:cNvPr id="144" name="Shape 144"/>
+          <p:cNvPr id="145" name="Shape 145"/>
           <p:cNvSpPr txBox="1"/>
           <p:nvPr>
             <p:ph idx="1" type="body"/>
@@ -765,7 +765,7 @@
   <p:cSld>
     <p:spTree>
       <p:nvGrpSpPr>
-        <p:cNvPr id="152" name="Shape 152"/>
+        <p:cNvPr id="153" name="Shape 153"/>
         <p:cNvGrpSpPr/>
         <p:nvPr/>
       </p:nvGrpSpPr>
@@ -779,7 +779,7 @@
       </p:grpSpPr>
       <p:sp>
         <p:nvSpPr>
-          <p:cNvPr id="153" name="Shape 153"/>
+          <p:cNvPr id="154" name="Shape 154"/>
           <p:cNvSpPr/>
           <p:nvPr>
             <p:ph idx="2" type="sldImg"/>
@@ -813,7 +813,7 @@
       </p:sp>
       <p:sp>
         <p:nvSpPr>
-          <p:cNvPr id="154" name="Shape 154"/>
+          <p:cNvPr id="155" name="Shape 155"/>
           <p:cNvSpPr txBox="1"/>
           <p:nvPr>
             <p:ph idx="1" type="body"/>
@@ -860,7 +860,7 @@
   <p:cSld>
     <p:spTree>
       <p:nvGrpSpPr>
-        <p:cNvPr id="163" name="Shape 163"/>
+        <p:cNvPr id="164" name="Shape 164"/>
         <p:cNvGrpSpPr/>
         <p:nvPr/>
       </p:nvGrpSpPr>
@@ -874,7 +874,7 @@
       </p:grpSpPr>
       <p:sp>
         <p:nvSpPr>
-          <p:cNvPr id="164" name="Shape 164"/>
+          <p:cNvPr id="165" name="Shape 165"/>
           <p:cNvSpPr/>
           <p:nvPr>
             <p:ph idx="2" type="sldImg"/>
@@ -908,7 +908,7 @@
       </p:sp>
       <p:sp>
         <p:nvSpPr>
-          <p:cNvPr id="165" name="Shape 165"/>
+          <p:cNvPr id="166" name="Shape 166"/>
           <p:cNvSpPr txBox="1"/>
           <p:nvPr>
             <p:ph idx="1" type="body"/>
@@ -8499,8 +8499,8 @@
         </p:blipFill>
         <p:spPr>
           <a:xfrm>
-            <a:off x="3047650" y="0"/>
-            <a:ext cx="6096349" cy="5143500"/>
+            <a:off x="3940900" y="0"/>
+            <a:ext cx="4327144" cy="2838750"/>
           </a:xfrm>
           <a:prstGeom prst="rect">
             <a:avLst/>
@@ -8555,8 +8555,8 @@
         </p:nvCxnSpPr>
         <p:spPr>
           <a:xfrm rot="10800000">
-            <a:off x="4072200" y="236850"/>
-            <a:ext cx="10200" cy="4505700"/>
+            <a:off x="4669575" y="156000"/>
+            <a:ext cx="10200" cy="2436000"/>
           </a:xfrm>
           <a:prstGeom prst="straightConnector1">
             <a:avLst/>
@@ -8783,6 +8783,34 @@
           </a:p>
         </p:txBody>
       </p:sp>
+      <p:pic>
+        <p:nvPicPr>
+          <p:cNvPr id="132" name="Shape 132"/>
+          <p:cNvPicPr preferRelativeResize="0"/>
+          <p:nvPr/>
+        </p:nvPicPr>
+        <p:blipFill>
+          <a:blip r:embed="rId4">
+            <a:alphaModFix/>
+          </a:blip>
+          <a:stretch>
+            <a:fillRect/>
+          </a:stretch>
+        </p:blipFill>
+        <p:spPr>
+          <a:xfrm>
+            <a:off x="3323024" y="2838749"/>
+            <a:ext cx="5820975" cy="2304675"/>
+          </a:xfrm>
+          <a:prstGeom prst="rect">
+            <a:avLst/>
+          </a:prstGeom>
+          <a:noFill/>
+          <a:ln>
+            <a:noFill/>
+          </a:ln>
+        </p:spPr>
+      </p:pic>
     </p:spTree>
   </p:cSld>
   <p:clrMapOvr>
@@ -8796,7 +8824,7 @@
   <p:cSld>
     <p:spTree>
       <p:nvGrpSpPr>
-        <p:cNvPr id="135" name="Shape 135"/>
+        <p:cNvPr id="136" name="Shape 136"/>
         <p:cNvGrpSpPr/>
         <p:nvPr/>
       </p:nvGrpSpPr>
@@ -8810,7 +8838,7 @@
       </p:grpSpPr>
       <p:sp>
         <p:nvSpPr>
-          <p:cNvPr id="136" name="Shape 136"/>
+          <p:cNvPr id="137" name="Shape 137"/>
           <p:cNvSpPr txBox="1"/>
           <p:nvPr>
             <p:ph type="title"/>
@@ -8846,7 +8874,7 @@
       </p:sp>
       <p:sp>
         <p:nvSpPr>
-          <p:cNvPr id="137" name="Shape 137"/>
+          <p:cNvPr id="138" name="Shape 138"/>
           <p:cNvSpPr txBox="1"/>
           <p:nvPr>
             <p:ph idx="1" type="body"/>
@@ -8882,7 +8910,7 @@
       </p:sp>
       <p:pic>
         <p:nvPicPr>
-          <p:cNvPr id="138" name="Shape 138"/>
+          <p:cNvPr id="139" name="Shape 139"/>
           <p:cNvPicPr preferRelativeResize="0"/>
           <p:nvPr/>
         </p:nvPicPr>
@@ -8910,7 +8938,7 @@
       </p:pic>
       <p:pic>
         <p:nvPicPr>
-          <p:cNvPr id="139" name="Shape 139"/>
+          <p:cNvPr id="140" name="Shape 140"/>
           <p:cNvPicPr preferRelativeResize="0"/>
           <p:nvPr/>
         </p:nvPicPr>
@@ -8938,7 +8966,7 @@
       </p:pic>
       <p:sp>
         <p:nvSpPr>
-          <p:cNvPr id="140" name="Shape 140"/>
+          <p:cNvPr id="141" name="Shape 141"/>
           <p:cNvSpPr txBox="1"/>
           <p:nvPr/>
         </p:nvSpPr>
@@ -8976,7 +9004,7 @@
       </p:sp>
       <p:sp>
         <p:nvSpPr>
-          <p:cNvPr id="141" name="Shape 141"/>
+          <p:cNvPr id="142" name="Shape 142"/>
           <p:cNvSpPr txBox="1"/>
           <p:nvPr/>
         </p:nvSpPr>
@@ -9033,7 +9061,7 @@
   <p:cSld>
     <p:spTree>
       <p:nvGrpSpPr>
-        <p:cNvPr id="145" name="Shape 145"/>
+        <p:cNvPr id="146" name="Shape 146"/>
         <p:cNvGrpSpPr/>
         <p:nvPr/>
       </p:nvGrpSpPr>
@@ -9047,7 +9075,7 @@
       </p:grpSpPr>
       <p:pic>
         <p:nvPicPr>
-          <p:cNvPr id="146" name="Shape 146"/>
+          <p:cNvPr id="147" name="Shape 147"/>
           <p:cNvPicPr preferRelativeResize="0"/>
           <p:nvPr/>
         </p:nvPicPr>
@@ -9074,7 +9102,7 @@
       </p:pic>
       <p:sp>
         <p:nvSpPr>
-          <p:cNvPr id="147" name="Shape 147"/>
+          <p:cNvPr id="148" name="Shape 148"/>
           <p:cNvSpPr txBox="1"/>
           <p:nvPr>
             <p:ph type="ctrTitle"/>
@@ -9110,7 +9138,7 @@
       </p:sp>
       <p:pic>
         <p:nvPicPr>
-          <p:cNvPr id="148" name="Shape 148"/>
+          <p:cNvPr id="149" name="Shape 149"/>
           <p:cNvPicPr preferRelativeResize="0"/>
           <p:nvPr/>
         </p:nvPicPr>
@@ -9138,7 +9166,7 @@
       </p:pic>
       <p:pic>
         <p:nvPicPr>
-          <p:cNvPr id="149" name="Shape 149"/>
+          <p:cNvPr id="150" name="Shape 150"/>
           <p:cNvPicPr preferRelativeResize="0"/>
           <p:nvPr/>
         </p:nvPicPr>
@@ -9166,9 +9194,9 @@
       </p:pic>
       <p:cxnSp>
         <p:nvCxnSpPr>
-          <p:cNvPr id="150" name="Shape 150"/>
+          <p:cNvPr id="151" name="Shape 151"/>
           <p:cNvCxnSpPr>
-            <a:stCxn id="151" idx="3"/>
+            <a:stCxn id="152" idx="3"/>
           </p:cNvCxnSpPr>
           <p:nvPr/>
         </p:nvCxnSpPr>
@@ -9194,7 +9222,7 @@
       </p:cxnSp>
       <p:sp>
         <p:nvSpPr>
-          <p:cNvPr id="151" name="Shape 151"/>
+          <p:cNvPr id="152" name="Shape 152"/>
           <p:cNvSpPr txBox="1"/>
           <p:nvPr/>
         </p:nvSpPr>
@@ -9243,7 +9271,7 @@
   <p:cSld>
     <p:spTree>
       <p:nvGrpSpPr>
-        <p:cNvPr id="155" name="Shape 155"/>
+        <p:cNvPr id="156" name="Shape 156"/>
         <p:cNvGrpSpPr/>
         <p:nvPr/>
       </p:nvGrpSpPr>
@@ -9257,7 +9285,7 @@
       </p:grpSpPr>
       <p:pic>
         <p:nvPicPr>
-          <p:cNvPr id="156" name="Shape 156"/>
+          <p:cNvPr id="157" name="Shape 157"/>
           <p:cNvPicPr preferRelativeResize="0"/>
           <p:nvPr/>
         </p:nvPicPr>
@@ -9272,33 +9300,6 @@
           <a:xfrm>
             <a:off x="404525" y="1647925"/>
             <a:ext cx="2583194" cy="1661419"/>
-          </a:xfrm>
-          <a:prstGeom prst="rect">
-            <a:avLst/>
-          </a:prstGeom>
-          <a:noFill/>
-          <a:ln>
-            <a:noFill/>
-          </a:ln>
-        </p:spPr>
-      </p:pic>
-      <p:pic>
-        <p:nvPicPr>
-          <p:cNvPr id="157" name="Shape 157"/>
-          <p:cNvPicPr preferRelativeResize="0"/>
-          <p:nvPr/>
-        </p:nvPicPr>
-        <p:blipFill rotWithShape="1">
-          <a:blip r:embed="rId4">
-            <a:alphaModFix/>
-          </a:blip>
-          <a:srcRect b="7080" l="0" r="0" t="7089"/>
-          <a:stretch/>
-        </p:blipFill>
-        <p:spPr>
-          <a:xfrm>
-            <a:off x="3280390" y="1647925"/>
-            <a:ext cx="2583191" cy="1661419"/>
           </a:xfrm>
           <a:prstGeom prst="rect">
             <a:avLst/>
@@ -9316,6 +9317,33 @@
           <p:nvPr/>
         </p:nvPicPr>
         <p:blipFill rotWithShape="1">
+          <a:blip r:embed="rId4">
+            <a:alphaModFix/>
+          </a:blip>
+          <a:srcRect b="7080" l="0" r="0" t="7089"/>
+          <a:stretch/>
+        </p:blipFill>
+        <p:spPr>
+          <a:xfrm>
+            <a:off x="3280390" y="1647925"/>
+            <a:ext cx="2583191" cy="1661419"/>
+          </a:xfrm>
+          <a:prstGeom prst="rect">
+            <a:avLst/>
+          </a:prstGeom>
+          <a:noFill/>
+          <a:ln>
+            <a:noFill/>
+          </a:ln>
+        </p:spPr>
+      </p:pic>
+      <p:pic>
+        <p:nvPicPr>
+          <p:cNvPr id="159" name="Shape 159"/>
+          <p:cNvPicPr preferRelativeResize="0"/>
+          <p:nvPr/>
+        </p:nvPicPr>
+        <p:blipFill rotWithShape="1">
           <a:blip r:embed="rId5">
             <a:alphaModFix/>
           </a:blip>
@@ -9338,7 +9366,7 @@
       </p:pic>
       <p:sp>
         <p:nvSpPr>
-          <p:cNvPr id="159" name="Shape 159"/>
+          <p:cNvPr id="160" name="Shape 160"/>
           <p:cNvSpPr txBox="1"/>
           <p:nvPr>
             <p:ph type="title"/>
@@ -9374,7 +9402,7 @@
       </p:sp>
       <p:sp>
         <p:nvSpPr>
-          <p:cNvPr id="160" name="Shape 160"/>
+          <p:cNvPr id="161" name="Shape 161"/>
           <p:cNvSpPr txBox="1"/>
           <p:nvPr>
             <p:ph idx="1" type="body"/>
@@ -9410,7 +9438,7 @@
       </p:sp>
       <p:sp>
         <p:nvSpPr>
-          <p:cNvPr id="161" name="Shape 161"/>
+          <p:cNvPr id="162" name="Shape 162"/>
           <p:cNvSpPr txBox="1"/>
           <p:nvPr>
             <p:ph idx="2" type="body"/>
@@ -9446,7 +9474,7 @@
       </p:sp>
       <p:sp>
         <p:nvSpPr>
-          <p:cNvPr id="162" name="Shape 162"/>
+          <p:cNvPr id="163" name="Shape 163"/>
           <p:cNvSpPr txBox="1"/>
           <p:nvPr>
             <p:ph idx="3" type="body"/>
@@ -9493,7 +9521,7 @@
   <p:cSld>
     <p:spTree>
       <p:nvGrpSpPr>
-        <p:cNvPr id="166" name="Shape 166"/>
+        <p:cNvPr id="167" name="Shape 167"/>
         <p:cNvGrpSpPr/>
         <p:nvPr/>
       </p:nvGrpSpPr>
@@ -9507,7 +9535,7 @@
       </p:grpSpPr>
       <p:pic>
         <p:nvPicPr>
-          <p:cNvPr id="167" name="Shape 167"/>
+          <p:cNvPr id="168" name="Shape 168"/>
           <p:cNvPicPr preferRelativeResize="0"/>
           <p:nvPr/>
         </p:nvPicPr>
@@ -9534,7 +9562,7 @@
       </p:pic>
       <p:sp>
         <p:nvSpPr>
-          <p:cNvPr id="168" name="Shape 168"/>
+          <p:cNvPr id="169" name="Shape 169"/>
           <p:cNvSpPr txBox="1"/>
           <p:nvPr>
             <p:ph type="title"/>
